--- a/submission_Caravel SOC User Project (FIR).pptx
+++ b/submission_Caravel SOC User Project (FIR).pptx
@@ -267,7 +267,7 @@
           <a:p>
             <a:fld id="{F4D66A3E-5F8E-4535-A317-76C0EC2EE0EA}" type="datetimeFigureOut">
               <a:rPr lang="zh-TW" altLang="en-US" smtClean="0"/>
-              <a:t>2023/9/10</a:t>
+              <a:t>2023/9/12</a:t>
             </a:fld>
             <a:endParaRPr lang="zh-TW" altLang="en-US"/>
           </a:p>
@@ -465,7 +465,7 @@
           <a:p>
             <a:fld id="{F4D66A3E-5F8E-4535-A317-76C0EC2EE0EA}" type="datetimeFigureOut">
               <a:rPr lang="zh-TW" altLang="en-US" smtClean="0"/>
-              <a:t>2023/9/10</a:t>
+              <a:t>2023/9/12</a:t>
             </a:fld>
             <a:endParaRPr lang="zh-TW" altLang="en-US"/>
           </a:p>
@@ -673,7 +673,7 @@
           <a:p>
             <a:fld id="{F4D66A3E-5F8E-4535-A317-76C0EC2EE0EA}" type="datetimeFigureOut">
               <a:rPr lang="zh-TW" altLang="en-US" smtClean="0"/>
-              <a:t>2023/9/10</a:t>
+              <a:t>2023/9/12</a:t>
             </a:fld>
             <a:endParaRPr lang="zh-TW" altLang="en-US"/>
           </a:p>
@@ -871,7 +871,7 @@
           <a:p>
             <a:fld id="{F4D66A3E-5F8E-4535-A317-76C0EC2EE0EA}" type="datetimeFigureOut">
               <a:rPr lang="zh-TW" altLang="en-US" smtClean="0"/>
-              <a:t>2023/9/10</a:t>
+              <a:t>2023/9/12</a:t>
             </a:fld>
             <a:endParaRPr lang="zh-TW" altLang="en-US"/>
           </a:p>
@@ -1146,7 +1146,7 @@
           <a:p>
             <a:fld id="{F4D66A3E-5F8E-4535-A317-76C0EC2EE0EA}" type="datetimeFigureOut">
               <a:rPr lang="zh-TW" altLang="en-US" smtClean="0"/>
-              <a:t>2023/9/10</a:t>
+              <a:t>2023/9/12</a:t>
             </a:fld>
             <a:endParaRPr lang="zh-TW" altLang="en-US"/>
           </a:p>
@@ -1411,7 +1411,7 @@
           <a:p>
             <a:fld id="{F4D66A3E-5F8E-4535-A317-76C0EC2EE0EA}" type="datetimeFigureOut">
               <a:rPr lang="zh-TW" altLang="en-US" smtClean="0"/>
-              <a:t>2023/9/10</a:t>
+              <a:t>2023/9/12</a:t>
             </a:fld>
             <a:endParaRPr lang="zh-TW" altLang="en-US"/>
           </a:p>
@@ -1823,7 +1823,7 @@
           <a:p>
             <a:fld id="{F4D66A3E-5F8E-4535-A317-76C0EC2EE0EA}" type="datetimeFigureOut">
               <a:rPr lang="zh-TW" altLang="en-US" smtClean="0"/>
-              <a:t>2023/9/10</a:t>
+              <a:t>2023/9/12</a:t>
             </a:fld>
             <a:endParaRPr lang="zh-TW" altLang="en-US"/>
           </a:p>
@@ -1964,7 +1964,7 @@
           <a:p>
             <a:fld id="{F4D66A3E-5F8E-4535-A317-76C0EC2EE0EA}" type="datetimeFigureOut">
               <a:rPr lang="zh-TW" altLang="en-US" smtClean="0"/>
-              <a:t>2023/9/10</a:t>
+              <a:t>2023/9/12</a:t>
             </a:fld>
             <a:endParaRPr lang="zh-TW" altLang="en-US"/>
           </a:p>
@@ -2077,7 +2077,7 @@
           <a:p>
             <a:fld id="{F4D66A3E-5F8E-4535-A317-76C0EC2EE0EA}" type="datetimeFigureOut">
               <a:rPr lang="zh-TW" altLang="en-US" smtClean="0"/>
-              <a:t>2023/9/10</a:t>
+              <a:t>2023/9/12</a:t>
             </a:fld>
             <a:endParaRPr lang="zh-TW" altLang="en-US"/>
           </a:p>
@@ -2388,7 +2388,7 @@
           <a:p>
             <a:fld id="{F4D66A3E-5F8E-4535-A317-76C0EC2EE0EA}" type="datetimeFigureOut">
               <a:rPr lang="zh-TW" altLang="en-US" smtClean="0"/>
-              <a:t>2023/9/10</a:t>
+              <a:t>2023/9/12</a:t>
             </a:fld>
             <a:endParaRPr lang="zh-TW" altLang="en-US"/>
           </a:p>
@@ -2676,7 +2676,7 @@
           <a:p>
             <a:fld id="{F4D66A3E-5F8E-4535-A317-76C0EC2EE0EA}" type="datetimeFigureOut">
               <a:rPr lang="zh-TW" altLang="en-US" smtClean="0"/>
-              <a:t>2023/9/10</a:t>
+              <a:t>2023/9/12</a:t>
             </a:fld>
             <a:endParaRPr lang="zh-TW" altLang="en-US"/>
           </a:p>
@@ -2917,7 +2917,7 @@
           <a:p>
             <a:fld id="{F4D66A3E-5F8E-4535-A317-76C0EC2EE0EA}" type="datetimeFigureOut">
               <a:rPr lang="zh-TW" altLang="en-US" smtClean="0"/>
-              <a:t>2023/9/10</a:t>
+              <a:t>2023/9/12</a:t>
             </a:fld>
             <a:endParaRPr lang="zh-TW" altLang="en-US"/>
           </a:p>
@@ -3410,13 +3410,6 @@
               <a:t>Design</a:t>
             </a:r>
           </a:p>
-          <a:p>
-            <a:r>
-              <a:rPr lang="en-US" altLang="zh-TW" dirty="0"/>
-              <a:t>National Tsing Hua University</a:t>
-            </a:r>
-            <a:endParaRPr lang="zh-TW" altLang="en-US" dirty="0"/>
-          </a:p>
         </p:txBody>
       </p:sp>
     </p:spTree>
@@ -3618,6 +3611,72 @@
           </a:xfrm>
         </p:spPr>
       </p:pic>
+      <p:sp>
+        <p:nvSpPr>
+          <p:cNvPr id="3" name="矩形: 圓角 2">
+            <a:extLst>
+              <a:ext uri="{FF2B5EF4-FFF2-40B4-BE49-F238E27FC236}">
+                <a16:creationId xmlns:a16="http://schemas.microsoft.com/office/drawing/2014/main" id="{98509165-A5AD-4B6E-B6D1-11D21DD6D390}"/>
+              </a:ext>
+            </a:extLst>
+          </p:cNvPr>
+          <p:cNvSpPr/>
+          <p:nvPr/>
+        </p:nvSpPr>
+        <p:spPr>
+          <a:xfrm>
+            <a:off x="3098308" y="2476869"/>
+            <a:ext cx="577048" cy="292963"/>
+          </a:xfrm>
+          <a:prstGeom prst="roundRect">
+            <a:avLst/>
+          </a:prstGeom>
+          <a:solidFill>
+            <a:schemeClr val="bg1"/>
+          </a:solidFill>
+          <a:ln>
+            <a:solidFill>
+              <a:schemeClr val="bg1"/>
+            </a:solidFill>
+          </a:ln>
+        </p:spPr>
+        <p:style>
+          <a:lnRef idx="2">
+            <a:schemeClr val="accent1">
+              <a:shade val="50000"/>
+            </a:schemeClr>
+          </a:lnRef>
+          <a:fillRef idx="1">
+            <a:schemeClr val="accent1"/>
+          </a:fillRef>
+          <a:effectRef idx="0">
+            <a:schemeClr val="accent1"/>
+          </a:effectRef>
+          <a:fontRef idx="minor">
+            <a:schemeClr val="lt1"/>
+          </a:fontRef>
+        </p:style>
+        <p:txBody>
+          <a:bodyPr rtlCol="0" anchor="ctr"/>
+          <a:lstStyle/>
+          <a:p>
+            <a:pPr algn="ctr"/>
+            <a:r>
+              <a:rPr lang="en-US" altLang="zh-TW" dirty="0">
+                <a:solidFill>
+                  <a:schemeClr val="tx1"/>
+                </a:solidFill>
+              </a:rPr>
+              <a:t>600</a:t>
+            </a:r>
+            <a:endParaRPr lang="zh-TW" altLang="en-US" dirty="0">
+              <a:solidFill>
+                <a:schemeClr val="tx1"/>
+              </a:solidFill>
+            </a:endParaRPr>
+          </a:p>
+        </p:txBody>
+      </p:sp>
     </p:spTree>
     <p:extLst>
       <p:ext uri="{BB962C8B-B14F-4D97-AF65-F5344CB8AC3E}">
@@ -3714,7 +3773,7 @@
           <a:p>
             <a:r>
               <a:rPr lang="en-US" altLang="zh-TW" dirty="0"/>
-              <a:t>You are requested to use AXI-lite and AXI-stream protocol.</a:t>
+              <a:t>You are requested to use simplified AXI-lite and AXI-stream protocol.</a:t>
             </a:r>
             <a:endParaRPr lang="zh-TW" altLang="en-US" dirty="0"/>
           </a:p>
@@ -3966,7 +4025,7 @@
             </a:r>
             <a:r>
               <a:rPr lang="en-US" altLang="zh-TW" dirty="0" err="1"/>
-              <a:t>fir.h</a:t>
+              <a:t>fir.v</a:t>
             </a:r>
             <a:r>
               <a:rPr lang="en-US" altLang="zh-TW" dirty="0"/>
@@ -3984,8 +4043,13 @@
             </a:r>
             <a:r>
               <a:rPr lang="en-US" altLang="zh-TW" dirty="0"/>
-              <a:t>in the same directory with test dataset</a:t>
-            </a:r>
+              <a:t>in the same directory with </a:t>
+            </a:r>
+            <a:r>
+              <a:rPr lang="en-US" altLang="zh-TW"/>
+              <a:t>Makefile</a:t>
+            </a:r>
+            <a:endParaRPr lang="en-US" altLang="zh-TW" dirty="0"/>
           </a:p>
           <a:p>
             <a:r>
@@ -4221,7 +4285,7 @@
         <p:spPr/>
         <p:txBody>
           <a:bodyPr>
-            <a:normAutofit/>
+            <a:normAutofit lnSpcReduction="10000"/>
           </a:bodyPr>
           <a:lstStyle/>
           <a:p>
@@ -4256,6 +4320,13 @@
             <a:r>
               <a:rPr lang="en-US" altLang="zh-TW" dirty="0"/>
               <a:t>Report.pdf</a:t>
+            </a:r>
+          </a:p>
+          <a:p>
+            <a:pPr lvl="2"/>
+            <a:r>
+              <a:rPr lang="en-US" altLang="zh-TW" dirty="0"/>
+              <a:t>Synthesis report</a:t>
             </a:r>
           </a:p>
           <a:p>
@@ -4280,22 +4351,26 @@
             </a:r>
             <a:r>
               <a:rPr lang="en-US" altLang="zh-TW" dirty="0"/>
-              <a:t> </a:t>
+              <a:t> link should attach the file </a:t>
+            </a:r>
+          </a:p>
+          <a:p>
+            <a:pPr lvl="1"/>
+            <a:r>
+              <a:rPr lang="en-US" altLang="zh-TW" dirty="0"/>
+              <a:t>Design, Synthesis report(Including FF, LUT, Bram ), Waveform, simulation.log, </a:t>
+            </a:r>
+            <a:r>
+              <a:rPr lang="en-US" altLang="zh-TW" dirty="0" err="1"/>
+              <a:t>makefile</a:t>
             </a:r>
             <a:r>
               <a:rPr lang="en-US" altLang="zh-TW"/>
-              <a:t>link should attach </a:t>
-            </a:r>
-            <a:r>
-              <a:rPr lang="en-US" altLang="zh-TW" dirty="0"/>
-              <a:t>the file mentioned above</a:t>
-            </a:r>
-          </a:p>
-          <a:p>
-            <a:pPr lvl="1"/>
-            <a:r>
-              <a:rPr lang="en-US" altLang="zh-TW" dirty="0"/>
-              <a:t>Waveform, simulation.log, …etc.</a:t>
+              <a:t>,…</a:t>
+            </a:r>
+            <a:r>
+              <a:rPr lang="en-US" altLang="zh-TW" dirty="0"/>
+              <a:t>etc.</a:t>
             </a:r>
           </a:p>
           <a:p>

--- a/submission_Caravel SOC User Project (FIR).pptx
+++ b/submission_Caravel SOC User Project (FIR).pptx
@@ -3763,7 +3763,7 @@
             </a:r>
             <a:r>
               <a:rPr lang="en-US" altLang="zh-TW" dirty="0" err="1"/>
-              <a:t>Fir.h</a:t>
+              <a:t>fir.v</a:t>
             </a:r>
             <a:r>
               <a:rPr lang="en-US" altLang="zh-TW" dirty="0"/>

--- a/submission_Caravel SOC User Project (FIR).pptx
+++ b/submission_Caravel SOC User Project (FIR).pptx
@@ -9,11 +9,13 @@
     <p:sldId id="267" r:id="rId3"/>
     <p:sldId id="263" r:id="rId4"/>
     <p:sldId id="268" r:id="rId5"/>
-    <p:sldId id="264" r:id="rId6"/>
-    <p:sldId id="265" r:id="rId7"/>
-    <p:sldId id="266" r:id="rId8"/>
-    <p:sldId id="260" r:id="rId9"/>
-    <p:sldId id="258" r:id="rId10"/>
+    <p:sldId id="270" r:id="rId6"/>
+    <p:sldId id="264" r:id="rId7"/>
+    <p:sldId id="265" r:id="rId8"/>
+    <p:sldId id="266" r:id="rId9"/>
+    <p:sldId id="260" r:id="rId10"/>
+    <p:sldId id="269" r:id="rId11"/>
+    <p:sldId id="258" r:id="rId12"/>
   </p:sldIdLst>
   <p:sldSz cx="12192000" cy="6858000"/>
   <p:notesSz cx="6858000" cy="9144000"/>
@@ -267,7 +269,7 @@
           <a:p>
             <a:fld id="{F4D66A3E-5F8E-4535-A317-76C0EC2EE0EA}" type="datetimeFigureOut">
               <a:rPr lang="zh-TW" altLang="en-US" smtClean="0"/>
-              <a:t>2023/9/12</a:t>
+              <a:t>2023/9/16</a:t>
             </a:fld>
             <a:endParaRPr lang="zh-TW" altLang="en-US"/>
           </a:p>
@@ -465,7 +467,7 @@
           <a:p>
             <a:fld id="{F4D66A3E-5F8E-4535-A317-76C0EC2EE0EA}" type="datetimeFigureOut">
               <a:rPr lang="zh-TW" altLang="en-US" smtClean="0"/>
-              <a:t>2023/9/12</a:t>
+              <a:t>2023/9/16</a:t>
             </a:fld>
             <a:endParaRPr lang="zh-TW" altLang="en-US"/>
           </a:p>
@@ -673,7 +675,7 @@
           <a:p>
             <a:fld id="{F4D66A3E-5F8E-4535-A317-76C0EC2EE0EA}" type="datetimeFigureOut">
               <a:rPr lang="zh-TW" altLang="en-US" smtClean="0"/>
-              <a:t>2023/9/12</a:t>
+              <a:t>2023/9/16</a:t>
             </a:fld>
             <a:endParaRPr lang="zh-TW" altLang="en-US"/>
           </a:p>
@@ -871,7 +873,7 @@
           <a:p>
             <a:fld id="{F4D66A3E-5F8E-4535-A317-76C0EC2EE0EA}" type="datetimeFigureOut">
               <a:rPr lang="zh-TW" altLang="en-US" smtClean="0"/>
-              <a:t>2023/9/12</a:t>
+              <a:t>2023/9/16</a:t>
             </a:fld>
             <a:endParaRPr lang="zh-TW" altLang="en-US"/>
           </a:p>
@@ -1146,7 +1148,7 @@
           <a:p>
             <a:fld id="{F4D66A3E-5F8E-4535-A317-76C0EC2EE0EA}" type="datetimeFigureOut">
               <a:rPr lang="zh-TW" altLang="en-US" smtClean="0"/>
-              <a:t>2023/9/12</a:t>
+              <a:t>2023/9/16</a:t>
             </a:fld>
             <a:endParaRPr lang="zh-TW" altLang="en-US"/>
           </a:p>
@@ -1411,7 +1413,7 @@
           <a:p>
             <a:fld id="{F4D66A3E-5F8E-4535-A317-76C0EC2EE0EA}" type="datetimeFigureOut">
               <a:rPr lang="zh-TW" altLang="en-US" smtClean="0"/>
-              <a:t>2023/9/12</a:t>
+              <a:t>2023/9/16</a:t>
             </a:fld>
             <a:endParaRPr lang="zh-TW" altLang="en-US"/>
           </a:p>
@@ -1823,7 +1825,7 @@
           <a:p>
             <a:fld id="{F4D66A3E-5F8E-4535-A317-76C0EC2EE0EA}" type="datetimeFigureOut">
               <a:rPr lang="zh-TW" altLang="en-US" smtClean="0"/>
-              <a:t>2023/9/12</a:t>
+              <a:t>2023/9/16</a:t>
             </a:fld>
             <a:endParaRPr lang="zh-TW" altLang="en-US"/>
           </a:p>
@@ -1964,7 +1966,7 @@
           <a:p>
             <a:fld id="{F4D66A3E-5F8E-4535-A317-76C0EC2EE0EA}" type="datetimeFigureOut">
               <a:rPr lang="zh-TW" altLang="en-US" smtClean="0"/>
-              <a:t>2023/9/12</a:t>
+              <a:t>2023/9/16</a:t>
             </a:fld>
             <a:endParaRPr lang="zh-TW" altLang="en-US"/>
           </a:p>
@@ -2077,7 +2079,7 @@
           <a:p>
             <a:fld id="{F4D66A3E-5F8E-4535-A317-76C0EC2EE0EA}" type="datetimeFigureOut">
               <a:rPr lang="zh-TW" altLang="en-US" smtClean="0"/>
-              <a:t>2023/9/12</a:t>
+              <a:t>2023/9/16</a:t>
             </a:fld>
             <a:endParaRPr lang="zh-TW" altLang="en-US"/>
           </a:p>
@@ -2388,7 +2390,7 @@
           <a:p>
             <a:fld id="{F4D66A3E-5F8E-4535-A317-76C0EC2EE0EA}" type="datetimeFigureOut">
               <a:rPr lang="zh-TW" altLang="en-US" smtClean="0"/>
-              <a:t>2023/9/12</a:t>
+              <a:t>2023/9/16</a:t>
             </a:fld>
             <a:endParaRPr lang="zh-TW" altLang="en-US"/>
           </a:p>
@@ -2676,7 +2678,7 @@
           <a:p>
             <a:fld id="{F4D66A3E-5F8E-4535-A317-76C0EC2EE0EA}" type="datetimeFigureOut">
               <a:rPr lang="zh-TW" altLang="en-US" smtClean="0"/>
-              <a:t>2023/9/12</a:t>
+              <a:t>2023/9/16</a:t>
             </a:fld>
             <a:endParaRPr lang="zh-TW" altLang="en-US"/>
           </a:p>
@@ -2917,7 +2919,7 @@
           <a:p>
             <a:fld id="{F4D66A3E-5F8E-4535-A317-76C0EC2EE0EA}" type="datetimeFigureOut">
               <a:rPr lang="zh-TW" altLang="en-US" smtClean="0"/>
-              <a:t>2023/9/12</a:t>
+              <a:t>2023/9/16</a:t>
             </a:fld>
             <a:endParaRPr lang="zh-TW" altLang="en-US"/>
           </a:p>
@@ -3425,6 +3427,358 @@
 </p:sld>
 </file>
 
+<file path=ppt/slides/slide10.xml><?xml version="1.0" encoding="utf-8"?>
+<p:sld xmlns:a="http://schemas.openxmlformats.org/drawingml/2006/main" xmlns:r="http://schemas.openxmlformats.org/officeDocument/2006/relationships" xmlns:p="http://schemas.openxmlformats.org/presentationml/2006/main">
+  <p:cSld>
+    <p:spTree>
+      <p:nvGrpSpPr>
+        <p:cNvPr id="1" name=""/>
+        <p:cNvGrpSpPr/>
+        <p:nvPr/>
+      </p:nvGrpSpPr>
+      <p:grpSpPr>
+        <a:xfrm>
+          <a:off x="0" y="0"/>
+          <a:ext cx="0" cy="0"/>
+          <a:chOff x="0" y="0"/>
+          <a:chExt cx="0" cy="0"/>
+        </a:xfrm>
+      </p:grpSpPr>
+      <p:sp>
+        <p:nvSpPr>
+          <p:cNvPr id="2" name="Title 1"/>
+          <p:cNvSpPr>
+            <a:spLocks noGrp="1"/>
+          </p:cNvSpPr>
+          <p:nvPr>
+            <p:ph type="title"/>
+          </p:nvPr>
+        </p:nvSpPr>
+        <p:spPr/>
+        <p:txBody>
+          <a:bodyPr/>
+          <a:lstStyle/>
+          <a:p>
+            <a:r>
+              <a:rPr lang="en-US" dirty="0"/>
+              <a:t>What is included in the report</a:t>
+            </a:r>
+          </a:p>
+        </p:txBody>
+      </p:sp>
+      <p:sp>
+        <p:nvSpPr>
+          <p:cNvPr id="3" name="Content Placeholder 2"/>
+          <p:cNvSpPr>
+            <a:spLocks noGrp="1"/>
+          </p:cNvSpPr>
+          <p:nvPr>
+            <p:ph idx="1"/>
+          </p:nvPr>
+        </p:nvSpPr>
+        <p:spPr/>
+        <p:txBody>
+          <a:bodyPr>
+            <a:normAutofit fontScale="55000" lnSpcReduction="20000"/>
+          </a:bodyPr>
+          <a:lstStyle/>
+          <a:p>
+            <a:r>
+              <a:rPr lang="en-US" dirty="0"/>
+              <a:t>Block Diagram</a:t>
+            </a:r>
+          </a:p>
+          <a:p>
+            <a:pPr lvl="1"/>
+            <a:r>
+              <a:rPr lang="en-US" dirty="0" err="1"/>
+              <a:t>Datapath</a:t>
+            </a:r>
+            <a:r>
+              <a:rPr lang="en-US" dirty="0"/>
+              <a:t> – dataflow</a:t>
+            </a:r>
+          </a:p>
+          <a:p>
+            <a:pPr lvl="1"/>
+            <a:r>
+              <a:rPr lang="en-US" dirty="0"/>
+              <a:t>Control signals</a:t>
+            </a:r>
+          </a:p>
+          <a:p>
+            <a:r>
+              <a:rPr lang="en-US" dirty="0"/>
+              <a:t>Describe operation, e.g.</a:t>
+            </a:r>
+          </a:p>
+          <a:p>
+            <a:pPr lvl="1"/>
+            <a:r>
+              <a:rPr lang="en-US" dirty="0"/>
+              <a:t>How to receive data-in and tap parameters and place into SRAM</a:t>
+            </a:r>
+          </a:p>
+          <a:p>
+            <a:pPr lvl="1"/>
+            <a:r>
+              <a:rPr lang="en-US" dirty="0"/>
+              <a:t>How to access </a:t>
+            </a:r>
+            <a:r>
+              <a:rPr lang="en-US" dirty="0" err="1"/>
+              <a:t>shiftram</a:t>
+            </a:r>
+            <a:r>
+              <a:rPr lang="en-US" dirty="0"/>
+              <a:t> and </a:t>
+            </a:r>
+            <a:r>
+              <a:rPr lang="en-US" dirty="0" err="1"/>
+              <a:t>tapRAM</a:t>
+            </a:r>
+            <a:r>
+              <a:rPr lang="en-US" dirty="0"/>
+              <a:t> to do computation</a:t>
+            </a:r>
+          </a:p>
+          <a:p>
+            <a:pPr lvl="1"/>
+            <a:r>
+              <a:rPr lang="en-US" dirty="0"/>
+              <a:t>How </a:t>
+            </a:r>
+            <a:r>
+              <a:rPr lang="en-US" dirty="0" err="1"/>
+              <a:t>ap_done</a:t>
+            </a:r>
+            <a:r>
+              <a:rPr lang="en-US" dirty="0"/>
+              <a:t> is generated.</a:t>
+            </a:r>
+          </a:p>
+          <a:p>
+            <a:pPr lvl="1"/>
+            <a:r>
+              <a:rPr lang="en-US" dirty="0"/>
+              <a:t>…..</a:t>
+            </a:r>
+          </a:p>
+          <a:p>
+            <a:r>
+              <a:rPr lang="en-US" dirty="0"/>
+              <a:t>Resource usage: including FF, LUT, BRAM</a:t>
+            </a:r>
+          </a:p>
+          <a:p>
+            <a:r>
+              <a:rPr lang="en-US" dirty="0"/>
+              <a:t>Timing Report</a:t>
+            </a:r>
+          </a:p>
+          <a:p>
+            <a:pPr lvl="1"/>
+            <a:r>
+              <a:rPr lang="en-US" dirty="0"/>
+              <a:t>Try to synthesize the design with maximum frequency </a:t>
+            </a:r>
+          </a:p>
+          <a:p>
+            <a:pPr lvl="1"/>
+            <a:r>
+              <a:rPr lang="en-US" dirty="0"/>
+              <a:t>Report timing on longest path, slack</a:t>
+            </a:r>
+          </a:p>
+          <a:p>
+            <a:r>
+              <a:rPr lang="en-US" dirty="0"/>
+              <a:t>Simulation Waveform, show</a:t>
+            </a:r>
+          </a:p>
+          <a:p>
+            <a:pPr lvl="1"/>
+            <a:r>
+              <a:rPr lang="en-US" dirty="0"/>
+              <a:t>Coefficient program, and read back</a:t>
+            </a:r>
+          </a:p>
+          <a:p>
+            <a:pPr lvl="1"/>
+            <a:r>
+              <a:rPr lang="en-US" dirty="0"/>
+              <a:t>Data-in stream-in</a:t>
+            </a:r>
+          </a:p>
+          <a:p>
+            <a:pPr lvl="1"/>
+            <a:r>
+              <a:rPr lang="en-US" dirty="0"/>
+              <a:t>Data-out stream-out </a:t>
+            </a:r>
+          </a:p>
+          <a:p>
+            <a:pPr lvl="1"/>
+            <a:r>
+              <a:rPr lang="en-US" dirty="0"/>
+              <a:t>Bram access control</a:t>
+            </a:r>
+          </a:p>
+          <a:p>
+            <a:pPr lvl="1"/>
+            <a:r>
+              <a:rPr lang="en-US" dirty="0"/>
+              <a:t>FSM</a:t>
+            </a:r>
+          </a:p>
+        </p:txBody>
+      </p:sp>
+    </p:spTree>
+    <p:extLst>
+      <p:ext uri="{BB962C8B-B14F-4D97-AF65-F5344CB8AC3E}">
+        <p14:creationId xmlns:p14="http://schemas.microsoft.com/office/powerpoint/2010/main" val="3688528270"/>
+      </p:ext>
+    </p:extLst>
+  </p:cSld>
+  <p:clrMapOvr>
+    <a:masterClrMapping/>
+  </p:clrMapOvr>
+</p:sld>
+</file>
+
+<file path=ppt/slides/slide11.xml><?xml version="1.0" encoding="utf-8"?>
+<p:sld xmlns:a="http://schemas.openxmlformats.org/drawingml/2006/main" xmlns:r="http://schemas.openxmlformats.org/officeDocument/2006/relationships" xmlns:p="http://schemas.openxmlformats.org/presentationml/2006/main">
+  <p:cSld>
+    <p:spTree>
+      <p:nvGrpSpPr>
+        <p:cNvPr id="1" name=""/>
+        <p:cNvGrpSpPr/>
+        <p:nvPr/>
+      </p:nvGrpSpPr>
+      <p:grpSpPr>
+        <a:xfrm>
+          <a:off x="0" y="0"/>
+          <a:ext cx="0" cy="0"/>
+          <a:chOff x="0" y="0"/>
+          <a:chExt cx="0" cy="0"/>
+        </a:xfrm>
+      </p:grpSpPr>
+      <p:sp>
+        <p:nvSpPr>
+          <p:cNvPr id="2" name="標題 1">
+            <a:extLst>
+              <a:ext uri="{FF2B5EF4-FFF2-40B4-BE49-F238E27FC236}">
+                <a16:creationId xmlns:a16="http://schemas.microsoft.com/office/drawing/2014/main" id="{32BAF567-15DC-485B-BB66-4B3684BDFAC2}"/>
+              </a:ext>
+            </a:extLst>
+          </p:cNvPr>
+          <p:cNvSpPr>
+            <a:spLocks noGrp="1"/>
+          </p:cNvSpPr>
+          <p:nvPr>
+            <p:ph type="title"/>
+          </p:nvPr>
+        </p:nvSpPr>
+        <p:spPr/>
+        <p:txBody>
+          <a:bodyPr/>
+          <a:lstStyle/>
+          <a:p>
+            <a:r>
+              <a:rPr lang="en-US" altLang="zh-TW" dirty="0"/>
+              <a:t>Submission (2/2)</a:t>
+            </a:r>
+            <a:endParaRPr lang="zh-TW" altLang="en-US" dirty="0"/>
+          </a:p>
+        </p:txBody>
+      </p:sp>
+      <p:sp>
+        <p:nvSpPr>
+          <p:cNvPr id="3" name="內容版面配置區 2">
+            <a:extLst>
+              <a:ext uri="{FF2B5EF4-FFF2-40B4-BE49-F238E27FC236}">
+                <a16:creationId xmlns:a16="http://schemas.microsoft.com/office/drawing/2014/main" id="{76E02B29-433D-45B2-BB98-3CA37F0EEFFC}"/>
+              </a:ext>
+            </a:extLst>
+          </p:cNvPr>
+          <p:cNvSpPr>
+            <a:spLocks noGrp="1"/>
+          </p:cNvSpPr>
+          <p:nvPr>
+            <p:ph idx="1"/>
+          </p:nvPr>
+        </p:nvSpPr>
+        <p:spPr/>
+        <p:txBody>
+          <a:bodyPr/>
+          <a:lstStyle/>
+          <a:p>
+            <a:r>
+              <a:rPr lang="en-US" altLang="zh-TW" dirty="0"/>
+              <a:t>Compress all above files in a single zip file named</a:t>
+            </a:r>
+          </a:p>
+          <a:p>
+            <a:pPr lvl="1"/>
+            <a:r>
+              <a:rPr lang="en-US" altLang="zh-TW" dirty="0"/>
+              <a:t>StudentID_lab3.zip (e.g., 111061545_lab3.zip)</a:t>
+            </a:r>
+            <a:endParaRPr lang="zh-TW" altLang="en-US" dirty="0"/>
+          </a:p>
+          <a:p>
+            <a:r>
+              <a:rPr lang="en-US" altLang="zh-TW" dirty="0"/>
+              <a:t>Submit to NTHU </a:t>
+            </a:r>
+            <a:r>
+              <a:rPr lang="en-US" altLang="zh-TW" dirty="0" err="1"/>
+              <a:t>eeclass</a:t>
+            </a:r>
+            <a:endParaRPr lang="en-US" altLang="zh-TW" dirty="0"/>
+          </a:p>
+          <a:p>
+            <a:r>
+              <a:rPr lang="en-US" altLang="zh-TW" dirty="0"/>
+              <a:t>Deadline:</a:t>
+            </a:r>
+            <a:r>
+              <a:rPr lang="zh-TW" altLang="en-US" dirty="0"/>
+              <a:t> </a:t>
+            </a:r>
+            <a:endParaRPr lang="en-US" altLang="zh-TW" dirty="0"/>
+          </a:p>
+          <a:p>
+            <a:pPr marL="457200" lvl="1" indent="0">
+              <a:buNone/>
+            </a:pPr>
+            <a:r>
+              <a:rPr lang="en-US" altLang="zh-TW" dirty="0">
+                <a:solidFill>
+                  <a:srgbClr val="FF0000"/>
+                </a:solidFill>
+              </a:rPr>
+              <a:t>‐ 20% off for the late submission penalty within 3 days</a:t>
+            </a:r>
+          </a:p>
+          <a:p>
+            <a:endParaRPr lang="en-US" altLang="zh-TW" dirty="0"/>
+          </a:p>
+        </p:txBody>
+      </p:sp>
+    </p:spTree>
+    <p:extLst>
+      <p:ext uri="{BB962C8B-B14F-4D97-AF65-F5344CB8AC3E}">
+        <p14:creationId xmlns:p14="http://schemas.microsoft.com/office/powerpoint/2010/main" val="2719486824"/>
+      </p:ext>
+    </p:extLst>
+  </p:cSld>
+  <p:clrMapOvr>
+    <a:masterClrMapping/>
+  </p:clrMapOvr>
+</p:sld>
+</file>
+
 <file path=ppt/slides/slide2.xml><?xml version="1.0" encoding="utf-8"?>
 <p:sld xmlns:a="http://schemas.openxmlformats.org/drawingml/2006/main" xmlns:r="http://schemas.openxmlformats.org/officeDocument/2006/relationships" xmlns:p="http://schemas.openxmlformats.org/presentationml/2006/main">
   <p:cSld>
@@ -3625,8 +3979,8 @@
         </p:nvSpPr>
         <p:spPr>
           <a:xfrm>
-            <a:off x="3098308" y="2476869"/>
-            <a:ext cx="577048" cy="292963"/>
+            <a:off x="3080553" y="2459114"/>
+            <a:ext cx="3107184" cy="292963"/>
           </a:xfrm>
           <a:prstGeom prst="roundRect">
             <a:avLst/>
@@ -3667,7 +4021,7 @@
                   <a:schemeClr val="tx1"/>
                 </a:solidFill>
               </a:rPr>
-              <a:t>600</a:t>
+              <a:t>TBD – Based on size of data file</a:t>
             </a:r>
             <a:endParaRPr lang="zh-TW" altLang="en-US" dirty="0">
               <a:solidFill>
@@ -3811,13 +4165,7 @@
       </p:grpSpPr>
       <p:sp>
         <p:nvSpPr>
-          <p:cNvPr id="2" name="標題 1">
-            <a:extLst>
-              <a:ext uri="{FF2B5EF4-FFF2-40B4-BE49-F238E27FC236}">
-                <a16:creationId xmlns:a16="http://schemas.microsoft.com/office/drawing/2014/main" id="{3208DF74-FE57-4F7A-AF3C-38A1D16177F4}"/>
-              </a:ext>
-            </a:extLst>
-          </p:cNvPr>
+          <p:cNvPr id="2" name="Title 1"/>
           <p:cNvSpPr>
             <a:spLocks noGrp="1"/>
           </p:cNvSpPr>
@@ -3831,22 +4179,15 @@
           <a:lstStyle/>
           <a:p>
             <a:r>
-              <a:rPr lang="en-US" altLang="zh-TW" dirty="0"/>
-              <a:t>FIR module interface</a:t>
-            </a:r>
-            <a:endParaRPr lang="zh-TW" altLang="en-US" dirty="0"/>
-          </a:p>
-        </p:txBody>
-      </p:sp>
-      <p:sp>
-        <p:nvSpPr>
-          <p:cNvPr id="7" name="內容版面配置區 6">
-            <a:extLst>
-              <a:ext uri="{FF2B5EF4-FFF2-40B4-BE49-F238E27FC236}">
-                <a16:creationId xmlns:a16="http://schemas.microsoft.com/office/drawing/2014/main" id="{1EF2764B-3FF8-4C94-B684-A49F80CF4650}"/>
-              </a:ext>
-            </a:extLst>
-          </p:cNvPr>
+              <a:rPr lang="en-US" dirty="0"/>
+              <a:t>Configuration Register Address map</a:t>
+            </a:r>
+          </a:p>
+        </p:txBody>
+      </p:sp>
+      <p:sp>
+        <p:nvSpPr>
+          <p:cNvPr id="3" name="Content Placeholder 2"/>
           <p:cNvSpPr>
             <a:spLocks noGrp="1"/>
           </p:cNvSpPr>
@@ -3856,89 +4197,138 @@
         </p:nvSpPr>
         <p:spPr/>
         <p:txBody>
-          <a:bodyPr>
-            <a:normAutofit/>
-          </a:bodyPr>
-          <a:lstStyle/>
-          <a:p>
-            <a:r>
-              <a:rPr lang="en-US" altLang="zh-TW"/>
-              <a:t>For </a:t>
-            </a:r>
-            <a:r>
-              <a:rPr lang="en-US" altLang="zh-TW" dirty="0"/>
-              <a:t>your reference:</a:t>
-            </a:r>
-          </a:p>
-          <a:p>
-            <a:pPr lvl="1"/>
-            <a:r>
-              <a:rPr lang="en-US" altLang="zh-TW" dirty="0"/>
-              <a:t>AXI-lite: </a:t>
-            </a:r>
-          </a:p>
-          <a:p>
-            <a:pPr lvl="2"/>
-            <a:r>
-              <a:rPr lang="en-US" altLang="zh-TW" dirty="0">
-                <a:hlinkClick r:id="rId2"/>
-              </a:rPr>
-              <a:t>https://www.realdigital.org/doc/a9fee931f7a172423e1ba73f66ca4081</a:t>
-            </a:r>
-            <a:endParaRPr lang="en-US" altLang="zh-TW" dirty="0"/>
-          </a:p>
-          <a:p>
-            <a:pPr lvl="2"/>
-            <a:r>
-              <a:rPr lang="en-US" altLang="zh-TW" dirty="0">
-                <a:hlinkClick r:id="rId3"/>
-              </a:rPr>
-              <a:t>https://docs.xilinx.com/r/en-US/pg202-mipi-dphy/AXI4-Lite-Interface</a:t>
-            </a:r>
-            <a:r>
-              <a:rPr lang="en-US" altLang="zh-TW" dirty="0"/>
+          <a:bodyPr/>
+          <a:lstStyle/>
+          <a:p>
+            <a:pPr marL="0" indent="0">
+              <a:buNone/>
+            </a:pPr>
+            <a:r>
+              <a:rPr lang="en-US" dirty="0"/>
+              <a:t>0x00 – [0] - </a:t>
+            </a:r>
+            <a:r>
+              <a:rPr lang="en-US" dirty="0" err="1"/>
+              <a:t>ap_start</a:t>
+            </a:r>
+            <a:r>
+              <a:rPr lang="en-US" dirty="0"/>
+              <a:t>    -&gt; set when </a:t>
+            </a:r>
+            <a:r>
+              <a:rPr lang="en-US" dirty="0" err="1"/>
+              <a:t>ap_start</a:t>
+            </a:r>
+            <a:r>
+              <a:rPr lang="en-US" dirty="0"/>
+              <a:t> signal asserts</a:t>
+            </a:r>
+          </a:p>
+          <a:p>
+            <a:pPr marL="0" indent="0">
+              <a:buNone/>
+            </a:pPr>
+            <a:r>
+              <a:rPr lang="en-US" dirty="0"/>
+              <a:t>			      -&gt; reset, when start data transfer, i.e. 1</a:t>
+            </a:r>
+            <a:r>
+              <a:rPr lang="en-US" baseline="30000" dirty="0"/>
+              <a:t>st</a:t>
+            </a:r>
+            <a:r>
+              <a:rPr lang="en-US" dirty="0"/>
               <a:t> </a:t>
             </a:r>
-          </a:p>
-          <a:p>
-            <a:pPr lvl="1"/>
-            <a:r>
-              <a:rPr lang="en-US" altLang="zh-TW" dirty="0"/>
-              <a:t>AXI-stream:</a:t>
-            </a:r>
-          </a:p>
-          <a:p>
-            <a:pPr lvl="2"/>
-            <a:r>
-              <a:rPr lang="en-US" altLang="zh-TW" dirty="0">
-                <a:hlinkClick r:id="rId4"/>
-              </a:rPr>
-              <a:t>https://developer.arm.com/documentation/ihi0051/latest/</a:t>
-            </a:r>
-            <a:r>
-              <a:rPr lang="en-US" altLang="zh-TW" dirty="0"/>
-              <a:t> </a:t>
-            </a:r>
-          </a:p>
-          <a:p>
-            <a:pPr lvl="2"/>
-            <a:r>
-              <a:rPr lang="en-US" altLang="zh-TW" dirty="0">
-                <a:hlinkClick r:id="rId5"/>
-              </a:rPr>
-              <a:t>https://docs.xilinx.com/r/en-US/pg256-sdfec-integrated-block/AXI4-Stream-Interface</a:t>
-            </a:r>
-            <a:r>
-              <a:rPr lang="en-US" altLang="zh-TW" dirty="0"/>
-              <a:t> </a:t>
-            </a:r>
+            <a:r>
+              <a:rPr lang="en-US" dirty="0" err="1"/>
+              <a:t>axi</a:t>
+            </a:r>
+            <a:r>
+              <a:rPr lang="en-US" dirty="0"/>
+              <a:t>-				           stream data come in</a:t>
+            </a:r>
+          </a:p>
+          <a:p>
+            <a:pPr marL="0" indent="0">
+              <a:buNone/>
+            </a:pPr>
+            <a:r>
+              <a:rPr lang="en-US" dirty="0"/>
+              <a:t>	[1] – </a:t>
+            </a:r>
+            <a:r>
+              <a:rPr lang="en-US" dirty="0" err="1"/>
+              <a:t>ap_done</a:t>
+            </a:r>
+            <a:r>
+              <a:rPr lang="en-US" dirty="0"/>
+              <a:t>  -&gt; when FIR process all the dataset, i.e. receive 				         </a:t>
+            </a:r>
+            <a:r>
+              <a:rPr lang="en-US" dirty="0" err="1"/>
+              <a:t>tlast</a:t>
+            </a:r>
+            <a:r>
+              <a:rPr lang="en-US" dirty="0"/>
+              <a:t>, and last Y is generated</a:t>
+            </a:r>
+          </a:p>
+          <a:p>
+            <a:pPr marL="0" indent="0">
+              <a:buNone/>
+            </a:pPr>
+            <a:r>
+              <a:rPr lang="en-US" dirty="0"/>
+              <a:t>	[2] – </a:t>
+            </a:r>
+            <a:r>
+              <a:rPr lang="en-US" dirty="0" err="1"/>
+              <a:t>ap_idle</a:t>
+            </a:r>
+            <a:r>
+              <a:rPr lang="en-US" dirty="0"/>
+              <a:t> -&gt; indicate FIR is actively processing data</a:t>
+            </a:r>
+          </a:p>
+          <a:p>
+            <a:pPr marL="0" indent="0">
+              <a:buNone/>
+            </a:pPr>
+            <a:r>
+              <a:rPr lang="en-US" dirty="0"/>
+              <a:t>0x10-14  - data-length</a:t>
+            </a:r>
+          </a:p>
+          <a:p>
+            <a:pPr marL="0" indent="0">
+              <a:buNone/>
+            </a:pPr>
+            <a:r>
+              <a:rPr lang="en-US" dirty="0"/>
+              <a:t>0x20-FF – Tap </a:t>
+            </a:r>
+            <a:r>
+              <a:rPr lang="en-US" dirty="0" err="1"/>
+              <a:t>parameters,e.g</a:t>
+            </a:r>
+            <a:r>
+              <a:rPr lang="en-US" dirty="0"/>
+              <a:t>   0x20-24 Tap0, in sequence …</a:t>
+            </a:r>
+          </a:p>
+          <a:p>
+            <a:pPr marL="0" indent="0">
+              <a:buNone/>
+            </a:pPr>
+            <a:endParaRPr lang="en-US" dirty="0"/>
           </a:p>
         </p:txBody>
       </p:sp>
     </p:spTree>
     <p:extLst>
       <p:ext uri="{BB962C8B-B14F-4D97-AF65-F5344CB8AC3E}">
-        <p14:creationId xmlns:p14="http://schemas.microsoft.com/office/powerpoint/2010/main" val="1711159027"/>
+        <p14:creationId xmlns:p14="http://schemas.microsoft.com/office/powerpoint/2010/main" val="738204947"/>
       </p:ext>
     </p:extLst>
   </p:cSld>
@@ -3970,6 +4360,162 @@
           <p:cNvPr id="2" name="標題 1">
             <a:extLst>
               <a:ext uri="{FF2B5EF4-FFF2-40B4-BE49-F238E27FC236}">
+                <a16:creationId xmlns:a16="http://schemas.microsoft.com/office/drawing/2014/main" id="{3208DF74-FE57-4F7A-AF3C-38A1D16177F4}"/>
+              </a:ext>
+            </a:extLst>
+          </p:cNvPr>
+          <p:cNvSpPr>
+            <a:spLocks noGrp="1"/>
+          </p:cNvSpPr>
+          <p:nvPr>
+            <p:ph type="title"/>
+          </p:nvPr>
+        </p:nvSpPr>
+        <p:spPr/>
+        <p:txBody>
+          <a:bodyPr/>
+          <a:lstStyle/>
+          <a:p>
+            <a:r>
+              <a:rPr lang="en-US" altLang="zh-TW" dirty="0"/>
+              <a:t>FIR module interface</a:t>
+            </a:r>
+            <a:endParaRPr lang="zh-TW" altLang="en-US" dirty="0"/>
+          </a:p>
+        </p:txBody>
+      </p:sp>
+      <p:sp>
+        <p:nvSpPr>
+          <p:cNvPr id="7" name="內容版面配置區 6">
+            <a:extLst>
+              <a:ext uri="{FF2B5EF4-FFF2-40B4-BE49-F238E27FC236}">
+                <a16:creationId xmlns:a16="http://schemas.microsoft.com/office/drawing/2014/main" id="{1EF2764B-3FF8-4C94-B684-A49F80CF4650}"/>
+              </a:ext>
+            </a:extLst>
+          </p:cNvPr>
+          <p:cNvSpPr>
+            <a:spLocks noGrp="1"/>
+          </p:cNvSpPr>
+          <p:nvPr>
+            <p:ph idx="1"/>
+          </p:nvPr>
+        </p:nvSpPr>
+        <p:spPr/>
+        <p:txBody>
+          <a:bodyPr>
+            <a:normAutofit/>
+          </a:bodyPr>
+          <a:lstStyle/>
+          <a:p>
+            <a:r>
+              <a:rPr lang="en-US" altLang="zh-TW"/>
+              <a:t>For </a:t>
+            </a:r>
+            <a:r>
+              <a:rPr lang="en-US" altLang="zh-TW" dirty="0"/>
+              <a:t>your reference:</a:t>
+            </a:r>
+          </a:p>
+          <a:p>
+            <a:pPr lvl="1"/>
+            <a:r>
+              <a:rPr lang="en-US" altLang="zh-TW" dirty="0"/>
+              <a:t>AXI-lite: </a:t>
+            </a:r>
+          </a:p>
+          <a:p>
+            <a:pPr lvl="2"/>
+            <a:r>
+              <a:rPr lang="en-US" altLang="zh-TW" dirty="0">
+                <a:hlinkClick r:id="rId2"/>
+              </a:rPr>
+              <a:t>https://www.realdigital.org/doc/a9fee931f7a172423e1ba73f66ca4081</a:t>
+            </a:r>
+            <a:endParaRPr lang="en-US" altLang="zh-TW" dirty="0"/>
+          </a:p>
+          <a:p>
+            <a:pPr lvl="2"/>
+            <a:r>
+              <a:rPr lang="en-US" altLang="zh-TW" dirty="0">
+                <a:hlinkClick r:id="rId3"/>
+              </a:rPr>
+              <a:t>https://docs.xilinx.com/r/en-US/pg202-mipi-dphy/AXI4-Lite-Interface</a:t>
+            </a:r>
+            <a:r>
+              <a:rPr lang="en-US" altLang="zh-TW" dirty="0"/>
+              <a:t> </a:t>
+            </a:r>
+          </a:p>
+          <a:p>
+            <a:pPr lvl="1"/>
+            <a:r>
+              <a:rPr lang="en-US" altLang="zh-TW" dirty="0"/>
+              <a:t>AXI-stream:</a:t>
+            </a:r>
+          </a:p>
+          <a:p>
+            <a:pPr lvl="2"/>
+            <a:r>
+              <a:rPr lang="en-US" altLang="zh-TW" dirty="0">
+                <a:hlinkClick r:id="rId4"/>
+              </a:rPr>
+              <a:t>https://developer.arm.com/documentation/ihi0051/latest/</a:t>
+            </a:r>
+            <a:r>
+              <a:rPr lang="en-US" altLang="zh-TW" dirty="0"/>
+              <a:t> </a:t>
+            </a:r>
+          </a:p>
+          <a:p>
+            <a:pPr lvl="2"/>
+            <a:r>
+              <a:rPr lang="en-US" altLang="zh-TW" dirty="0">
+                <a:hlinkClick r:id="rId5"/>
+              </a:rPr>
+              <a:t>https://docs.xilinx.com/r/en-US/pg256-sdfec-integrated-block/AXI4-Stream-Interface</a:t>
+            </a:r>
+            <a:r>
+              <a:rPr lang="en-US" altLang="zh-TW" dirty="0"/>
+              <a:t> </a:t>
+            </a:r>
+          </a:p>
+        </p:txBody>
+      </p:sp>
+    </p:spTree>
+    <p:extLst>
+      <p:ext uri="{BB962C8B-B14F-4D97-AF65-F5344CB8AC3E}">
+        <p14:creationId xmlns:p14="http://schemas.microsoft.com/office/powerpoint/2010/main" val="1711159027"/>
+      </p:ext>
+    </p:extLst>
+  </p:cSld>
+  <p:clrMapOvr>
+    <a:masterClrMapping/>
+  </p:clrMapOvr>
+</p:sld>
+</file>
+
+<file path=ppt/slides/slide7.xml><?xml version="1.0" encoding="utf-8"?>
+<p:sld xmlns:a="http://schemas.openxmlformats.org/drawingml/2006/main" xmlns:r="http://schemas.openxmlformats.org/officeDocument/2006/relationships" xmlns:p="http://schemas.openxmlformats.org/presentationml/2006/main">
+  <p:cSld>
+    <p:spTree>
+      <p:nvGrpSpPr>
+        <p:cNvPr id="1" name=""/>
+        <p:cNvGrpSpPr/>
+        <p:nvPr/>
+      </p:nvGrpSpPr>
+      <p:grpSpPr>
+        <a:xfrm>
+          <a:off x="0" y="0"/>
+          <a:ext cx="0" cy="0"/>
+          <a:chOff x="0" y="0"/>
+          <a:chExt cx="0" cy="0"/>
+        </a:xfrm>
+      </p:grpSpPr>
+      <p:sp>
+        <p:nvSpPr>
+          <p:cNvPr id="2" name="標題 1">
+            <a:extLst>
+              <a:ext uri="{FF2B5EF4-FFF2-40B4-BE49-F238E27FC236}">
                 <a16:creationId xmlns:a16="http://schemas.microsoft.com/office/drawing/2014/main" id="{C7858120-BD21-43A0-9CE5-4F14BECE7579}"/>
               </a:ext>
             </a:extLst>
@@ -4024,12 +4570,16 @@
               <a:t>(Please name your top module same as </a:t>
             </a:r>
             <a:r>
-              <a:rPr lang="en-US" altLang="zh-TW" dirty="0" err="1"/>
-              <a:t>fir.v</a:t>
+              <a:rPr lang="en-US" altLang="zh-TW" b="1" dirty="0"/>
+              <a:t>fir</a:t>
+            </a:r>
+            <a:r>
+              <a:rPr lang="zh-TW" altLang="en-US" dirty="0"/>
+              <a:t> </a:t>
             </a:r>
             <a:r>
               <a:rPr lang="en-US" altLang="zh-TW" dirty="0"/>
-              <a:t> for simulation)</a:t>
+              <a:t>for simulation)</a:t>
             </a:r>
           </a:p>
           <a:p>
@@ -4046,7 +4596,7 @@
               <a:t>in the same directory with </a:t>
             </a:r>
             <a:r>
-              <a:rPr lang="en-US" altLang="zh-TW"/>
+              <a:rPr lang="en-US" altLang="zh-TW" dirty="0" err="1"/>
               <a:t>Makefile</a:t>
             </a:r>
             <a:endParaRPr lang="en-US" altLang="zh-TW" dirty="0"/>
@@ -4121,105 +4671,6 @@
 </p:sld>
 </file>
 
-<file path=ppt/slides/slide7.xml><?xml version="1.0" encoding="utf-8"?>
-<p:sld xmlns:a="http://schemas.openxmlformats.org/drawingml/2006/main" xmlns:r="http://schemas.openxmlformats.org/officeDocument/2006/relationships" xmlns:p="http://schemas.openxmlformats.org/presentationml/2006/main">
-  <p:cSld>
-    <p:spTree>
-      <p:nvGrpSpPr>
-        <p:cNvPr id="1" name=""/>
-        <p:cNvGrpSpPr/>
-        <p:nvPr/>
-      </p:nvGrpSpPr>
-      <p:grpSpPr>
-        <a:xfrm>
-          <a:off x="0" y="0"/>
-          <a:ext cx="0" cy="0"/>
-          <a:chOff x="0" y="0"/>
-          <a:chExt cx="0" cy="0"/>
-        </a:xfrm>
-      </p:grpSpPr>
-      <p:sp>
-        <p:nvSpPr>
-          <p:cNvPr id="2" name="標題 1">
-            <a:extLst>
-              <a:ext uri="{FF2B5EF4-FFF2-40B4-BE49-F238E27FC236}">
-                <a16:creationId xmlns:a16="http://schemas.microsoft.com/office/drawing/2014/main" id="{9773F89A-A068-46A8-B432-830127CC2947}"/>
-              </a:ext>
-            </a:extLst>
-          </p:cNvPr>
-          <p:cNvSpPr>
-            <a:spLocks noGrp="1"/>
-          </p:cNvSpPr>
-          <p:nvPr>
-            <p:ph type="title"/>
-          </p:nvPr>
-        </p:nvSpPr>
-        <p:spPr/>
-        <p:txBody>
-          <a:bodyPr/>
-          <a:lstStyle/>
-          <a:p>
-            <a:r>
-              <a:rPr lang="en-US" altLang="zh-TW" dirty="0"/>
-              <a:t>Test dataset</a:t>
-            </a:r>
-            <a:endParaRPr lang="zh-TW" altLang="en-US" dirty="0"/>
-          </a:p>
-        </p:txBody>
-      </p:sp>
-      <p:sp>
-        <p:nvSpPr>
-          <p:cNvPr id="3" name="內容版面配置區 2">
-            <a:extLst>
-              <a:ext uri="{FF2B5EF4-FFF2-40B4-BE49-F238E27FC236}">
-                <a16:creationId xmlns:a16="http://schemas.microsoft.com/office/drawing/2014/main" id="{1312C14E-5BCB-4FF3-BD6B-1A4A0F6ACFD5}"/>
-              </a:ext>
-            </a:extLst>
-          </p:cNvPr>
-          <p:cNvSpPr>
-            <a:spLocks noGrp="1"/>
-          </p:cNvSpPr>
-          <p:nvPr>
-            <p:ph idx="1"/>
-          </p:nvPr>
-        </p:nvSpPr>
-        <p:spPr>
-          <a:xfrm>
-            <a:off x="838200" y="1825625"/>
-            <a:ext cx="10515600" cy="4351338"/>
-          </a:xfrm>
-        </p:spPr>
-        <p:txBody>
-          <a:bodyPr/>
-          <a:lstStyle/>
-          <a:p>
-            <a:r>
-              <a:rPr lang="en-US" altLang="zh-TW" dirty="0"/>
-              <a:t>Samples_triangular_wave.dat</a:t>
-            </a:r>
-          </a:p>
-          <a:p>
-            <a:r>
-              <a:rPr lang="en-US" altLang="zh-TW" dirty="0"/>
-              <a:t>out_gold.dat</a:t>
-            </a:r>
-            <a:endParaRPr lang="zh-TW" altLang="en-US" dirty="0"/>
-          </a:p>
-        </p:txBody>
-      </p:sp>
-    </p:spTree>
-    <p:extLst>
-      <p:ext uri="{BB962C8B-B14F-4D97-AF65-F5344CB8AC3E}">
-        <p14:creationId xmlns:p14="http://schemas.microsoft.com/office/powerpoint/2010/main" val="42424903"/>
-      </p:ext>
-    </p:extLst>
-  </p:cSld>
-  <p:clrMapOvr>
-    <a:masterClrMapping/>
-  </p:clrMapOvr>
-</p:sld>
-</file>
-
 <file path=ppt/slides/slide8.xml><?xml version="1.0" encoding="utf-8"?>
 <p:sld xmlns:a="http://schemas.openxmlformats.org/drawingml/2006/main" xmlns:r="http://schemas.openxmlformats.org/officeDocument/2006/relationships" xmlns:p="http://schemas.openxmlformats.org/presentationml/2006/main">
   <p:cSld>
@@ -4242,7 +4693,7 @@
           <p:cNvPr id="2" name="標題 1">
             <a:extLst>
               <a:ext uri="{FF2B5EF4-FFF2-40B4-BE49-F238E27FC236}">
-                <a16:creationId xmlns:a16="http://schemas.microsoft.com/office/drawing/2014/main" id="{2AD12E0D-27D6-4D16-8485-9394EE21461D}"/>
+                <a16:creationId xmlns:a16="http://schemas.microsoft.com/office/drawing/2014/main" id="{9773F89A-A068-46A8-B432-830127CC2947}"/>
               </a:ext>
             </a:extLst>
           </p:cNvPr>
@@ -4260,7 +4711,7 @@
           <a:p>
             <a:r>
               <a:rPr lang="en-US" altLang="zh-TW" dirty="0"/>
-              <a:t>Submission (1/2)</a:t>
+              <a:t>Test dataset</a:t>
             </a:r>
             <a:endParaRPr lang="zh-TW" altLang="en-US" dirty="0"/>
           </a:p>
@@ -4271,7 +4722,7 @@
           <p:cNvPr id="3" name="內容版面配置區 2">
             <a:extLst>
               <a:ext uri="{FF2B5EF4-FFF2-40B4-BE49-F238E27FC236}">
-                <a16:creationId xmlns:a16="http://schemas.microsoft.com/office/drawing/2014/main" id="{E3069BA2-481D-40FE-A57B-C1801D208F75}"/>
+                <a16:creationId xmlns:a16="http://schemas.microsoft.com/office/drawing/2014/main" id="{1312C14E-5BCB-4FF3-BD6B-1A4A0F6ACFD5}"/>
               </a:ext>
             </a:extLst>
           </p:cNvPr>
@@ -4282,139 +4733,34 @@
             <p:ph idx="1"/>
           </p:nvPr>
         </p:nvSpPr>
-        <p:spPr/>
-        <p:txBody>
-          <a:bodyPr>
-            <a:normAutofit lnSpcReduction="10000"/>
-          </a:bodyPr>
+        <p:spPr>
+          <a:xfrm>
+            <a:off x="838200" y="1825625"/>
+            <a:ext cx="10515600" cy="4351338"/>
+          </a:xfrm>
+        </p:spPr>
+        <p:txBody>
+          <a:bodyPr/>
           <a:lstStyle/>
           <a:p>
             <a:r>
               <a:rPr lang="en-US" altLang="zh-TW" dirty="0"/>
-              <a:t>Hierarchy:</a:t>
-            </a:r>
-          </a:p>
-          <a:p>
-            <a:pPr lvl="1"/>
+              <a:t>Samples_triangular_wave.dat</a:t>
+            </a:r>
+          </a:p>
+          <a:p>
             <a:r>
               <a:rPr lang="en-US" altLang="zh-TW" dirty="0"/>
-              <a:t>StudentID_lab3/</a:t>
-            </a:r>
-          </a:p>
-          <a:p>
-            <a:pPr lvl="2"/>
-            <a:r>
-              <a:rPr lang="en-US" altLang="zh-TW" dirty="0"/>
-              <a:t>Waveform</a:t>
-            </a:r>
-          </a:p>
-          <a:p>
-            <a:pPr lvl="2"/>
-            <a:r>
-              <a:rPr lang="en-US" altLang="zh-TW" dirty="0"/>
-              <a:t>Simulation.log</a:t>
-            </a:r>
-          </a:p>
-          <a:p>
-            <a:pPr lvl="2"/>
-            <a:r>
-              <a:rPr lang="en-US" altLang="zh-TW" dirty="0"/>
-              <a:t>Report.pdf</a:t>
-            </a:r>
-          </a:p>
-          <a:p>
-            <a:pPr lvl="2"/>
-            <a:r>
-              <a:rPr lang="en-US" altLang="zh-TW" dirty="0"/>
-              <a:t>Synthesis report</a:t>
-            </a:r>
-          </a:p>
-          <a:p>
-            <a:pPr lvl="2"/>
-            <a:r>
-              <a:rPr lang="en-US" altLang="zh-TW" dirty="0" err="1"/>
-              <a:t>Github</a:t>
-            </a:r>
-            <a:r>
-              <a:rPr lang="en-US" altLang="zh-TW" dirty="0"/>
-              <a:t> link</a:t>
-            </a:r>
-          </a:p>
-          <a:p>
-            <a:r>
-              <a:rPr lang="en-US" altLang="zh-TW" dirty="0"/>
-              <a:t>Your </a:t>
-            </a:r>
-            <a:r>
-              <a:rPr lang="en-US" altLang="zh-TW" dirty="0" err="1"/>
-              <a:t>Github</a:t>
-            </a:r>
-            <a:r>
-              <a:rPr lang="en-US" altLang="zh-TW" dirty="0"/>
-              <a:t> link should attach the file </a:t>
-            </a:r>
-          </a:p>
-          <a:p>
-            <a:pPr lvl="1"/>
-            <a:r>
-              <a:rPr lang="en-US" altLang="zh-TW" dirty="0"/>
-              <a:t>Design, Synthesis report(Including FF, LUT, Bram ), Waveform, simulation.log, </a:t>
-            </a:r>
-            <a:r>
-              <a:rPr lang="en-US" altLang="zh-TW" dirty="0" err="1"/>
-              <a:t>makefile</a:t>
-            </a:r>
-            <a:r>
-              <a:rPr lang="en-US" altLang="zh-TW"/>
-              <a:t>,…</a:t>
-            </a:r>
-            <a:r>
-              <a:rPr lang="en-US" altLang="zh-TW" dirty="0"/>
-              <a:t>etc.</a:t>
-            </a:r>
-          </a:p>
-          <a:p>
-            <a:r>
-              <a:rPr lang="en-US" altLang="zh-TW" dirty="0"/>
-              <a:t>Location of design (If use </a:t>
-            </a:r>
-            <a:r>
-              <a:rPr lang="en-US" altLang="zh-TW" dirty="0" err="1"/>
-              <a:t>vivado</a:t>
-            </a:r>
-            <a:r>
-              <a:rPr lang="en-US" altLang="zh-TW" dirty="0"/>
-              <a:t> to design) 	</a:t>
-            </a:r>
-          </a:p>
-          <a:p>
-            <a:pPr lvl="1"/>
-            <a:r>
-              <a:rPr lang="en-US" altLang="zh-TW" dirty="0" err="1"/>
-              <a:t>hostproject</a:t>
-            </a:r>
-            <a:r>
-              <a:rPr lang="en-US" altLang="zh-TW" dirty="0"/>
-              <a:t>/</a:t>
-            </a:r>
-            <a:r>
-              <a:rPr lang="en-US" altLang="zh-TW" dirty="0" err="1"/>
-              <a:t>hostproject.srcs</a:t>
-            </a:r>
-            <a:r>
-              <a:rPr lang="en-US" altLang="zh-TW" dirty="0"/>
-              <a:t>/sources_1/new/</a:t>
-            </a:r>
-          </a:p>
-          <a:p>
-            <a:endParaRPr lang="en-US" altLang="zh-TW" dirty="0"/>
+              <a:t>out_gold.dat</a:t>
+            </a:r>
+            <a:endParaRPr lang="zh-TW" altLang="en-US" dirty="0"/>
           </a:p>
         </p:txBody>
       </p:sp>
     </p:spTree>
     <p:extLst>
       <p:ext uri="{BB962C8B-B14F-4D97-AF65-F5344CB8AC3E}">
-        <p14:creationId xmlns:p14="http://schemas.microsoft.com/office/powerpoint/2010/main" val="1124657855"/>
+        <p14:creationId xmlns:p14="http://schemas.microsoft.com/office/powerpoint/2010/main" val="42424903"/>
       </p:ext>
     </p:extLst>
   </p:cSld>
@@ -4446,7 +4792,7 @@
           <p:cNvPr id="2" name="標題 1">
             <a:extLst>
               <a:ext uri="{FF2B5EF4-FFF2-40B4-BE49-F238E27FC236}">
-                <a16:creationId xmlns:a16="http://schemas.microsoft.com/office/drawing/2014/main" id="{32BAF567-15DC-485B-BB66-4B3684BDFAC2}"/>
+                <a16:creationId xmlns:a16="http://schemas.microsoft.com/office/drawing/2014/main" id="{2AD12E0D-27D6-4D16-8485-9394EE21461D}"/>
               </a:ext>
             </a:extLst>
           </p:cNvPr>
@@ -4464,7 +4810,7 @@
           <a:p>
             <a:r>
               <a:rPr lang="en-US" altLang="zh-TW" dirty="0"/>
-              <a:t>Submission (2/2)</a:t>
+              <a:t>Submission (1/2)</a:t>
             </a:r>
             <a:endParaRPr lang="zh-TW" altLang="en-US" dirty="0"/>
           </a:p>
@@ -4475,7 +4821,7 @@
           <p:cNvPr id="3" name="內容版面配置區 2">
             <a:extLst>
               <a:ext uri="{FF2B5EF4-FFF2-40B4-BE49-F238E27FC236}">
-                <a16:creationId xmlns:a16="http://schemas.microsoft.com/office/drawing/2014/main" id="{76E02B29-433D-45B2-BB98-3CA37F0EEFFC}"/>
+                <a16:creationId xmlns:a16="http://schemas.microsoft.com/office/drawing/2014/main" id="{E3069BA2-481D-40FE-A57B-C1801D208F75}"/>
               </a:ext>
             </a:extLst>
           </p:cNvPr>
@@ -4488,55 +4834,130 @@
         </p:nvSpPr>
         <p:spPr/>
         <p:txBody>
-          <a:bodyPr/>
+          <a:bodyPr>
+            <a:normAutofit fontScale="92500" lnSpcReduction="20000"/>
+          </a:bodyPr>
           <a:lstStyle/>
           <a:p>
             <a:r>
               <a:rPr lang="en-US" altLang="zh-TW" dirty="0"/>
-              <a:t>Compress all above files in a single zip file named</a:t>
+              <a:t>Hierarchy:</a:t>
             </a:r>
           </a:p>
           <a:p>
             <a:pPr lvl="1"/>
             <a:r>
               <a:rPr lang="en-US" altLang="zh-TW" dirty="0"/>
-              <a:t>StudentID_lab3.zip (e.g., 111061545_lab3.zip)</a:t>
-            </a:r>
-            <a:endParaRPr lang="zh-TW" altLang="en-US" dirty="0"/>
-          </a:p>
-          <a:p>
+              <a:t>StudentID_lab3/</a:t>
+            </a:r>
+          </a:p>
+          <a:p>
+            <a:pPr lvl="2"/>
             <a:r>
               <a:rPr lang="en-US" altLang="zh-TW" dirty="0"/>
-              <a:t>Submit to NTHU </a:t>
-            </a:r>
+              <a:t>Waveform</a:t>
+            </a:r>
+          </a:p>
+          <a:p>
+            <a:pPr lvl="2"/>
+            <a:r>
+              <a:rPr lang="en-US" altLang="zh-TW" dirty="0"/>
+              <a:t>Simulation.log</a:t>
+            </a:r>
+          </a:p>
+          <a:p>
+            <a:pPr lvl="2"/>
+            <a:r>
+              <a:rPr lang="en-US" altLang="zh-TW" dirty="0"/>
+              <a:t>Report.pdf</a:t>
+            </a:r>
+          </a:p>
+          <a:p>
+            <a:pPr lvl="2"/>
+            <a:r>
+              <a:rPr lang="en-US" altLang="zh-TW" dirty="0"/>
+              <a:t>Synthesis report</a:t>
+            </a:r>
+          </a:p>
+          <a:p>
+            <a:pPr lvl="2"/>
             <a:r>
               <a:rPr lang="en-US" altLang="zh-TW" dirty="0" err="1"/>
-              <a:t>eeclass</a:t>
+              <a:t>Github</a:t>
+            </a:r>
+            <a:r>
+              <a:rPr lang="en-US" altLang="zh-TW" dirty="0"/>
+              <a:t> link</a:t>
+            </a:r>
+          </a:p>
+          <a:p>
+            <a:r>
+              <a:rPr lang="en-US" altLang="zh-TW" dirty="0"/>
+              <a:t>Your </a:t>
+            </a:r>
+            <a:r>
+              <a:rPr lang="en-US" altLang="zh-TW" dirty="0" err="1"/>
+              <a:t>Github</a:t>
+            </a:r>
+            <a:r>
+              <a:rPr lang="en-US" altLang="zh-TW" dirty="0"/>
+              <a:t> link should attach the file </a:t>
+            </a:r>
+          </a:p>
+          <a:p>
+            <a:pPr lvl="1"/>
+            <a:r>
+              <a:rPr lang="en-US" altLang="zh-TW" dirty="0"/>
+              <a:t>Design, Synthesis report(Including FF, LUT, Bram ), Waveform, simulation.log, </a:t>
+            </a:r>
+            <a:r>
+              <a:rPr lang="en-US" altLang="zh-TW" dirty="0" err="1"/>
+              <a:t>makefile</a:t>
+            </a:r>
+            <a:r>
+              <a:rPr lang="en-US" altLang="zh-TW" dirty="0"/>
+              <a:t>,…etc.</a:t>
+            </a:r>
+          </a:p>
+          <a:p>
+            <a:pPr lvl="1"/>
+            <a:r>
+              <a:rPr lang="en-US" altLang="zh-TW"/>
+              <a:t>Report</a:t>
             </a:r>
             <a:endParaRPr lang="en-US" altLang="zh-TW" dirty="0"/>
           </a:p>
           <a:p>
             <a:r>
               <a:rPr lang="en-US" altLang="zh-TW" dirty="0"/>
-              <a:t>Deadline:</a:t>
-            </a:r>
-            <a:r>
-              <a:rPr lang="zh-TW" altLang="en-US" dirty="0"/>
-              <a:t> </a:t>
-            </a:r>
-            <a:endParaRPr lang="en-US" altLang="zh-TW" dirty="0"/>
-          </a:p>
-          <a:p>
-            <a:pPr marL="457200" lvl="1" indent="0">
-              <a:buNone/>
-            </a:pPr>
-            <a:r>
-              <a:rPr lang="en-US" altLang="zh-TW" dirty="0">
-                <a:solidFill>
-                  <a:srgbClr val="FF0000"/>
-                </a:solidFill>
-              </a:rPr>
-              <a:t>‐ 20% off for the late submission penalty within 3 days</a:t>
+              <a:t>Location of design (If use </a:t>
+            </a:r>
+            <a:r>
+              <a:rPr lang="en-US" altLang="zh-TW" dirty="0" err="1"/>
+              <a:t>vivado</a:t>
+            </a:r>
+            <a:r>
+              <a:rPr lang="en-US" altLang="zh-TW" dirty="0"/>
+              <a:t> to design) 	</a:t>
+            </a:r>
+          </a:p>
+          <a:p>
+            <a:pPr lvl="1"/>
+            <a:r>
+              <a:rPr lang="en-US" altLang="zh-TW" dirty="0" err="1"/>
+              <a:t>hostproject</a:t>
+            </a:r>
+            <a:r>
+              <a:rPr lang="en-US" altLang="zh-TW" dirty="0"/>
+              <a:t>/</a:t>
+            </a:r>
+            <a:r>
+              <a:rPr lang="en-US" altLang="zh-TW" dirty="0" err="1"/>
+              <a:t>hostproject.srcs</a:t>
+            </a:r>
+            <a:r>
+              <a:rPr lang="en-US" altLang="zh-TW" dirty="0"/>
+              <a:t>/sources_1/new/</a:t>
             </a:r>
           </a:p>
           <a:p>
@@ -4547,7 +4968,7 @@
     </p:spTree>
     <p:extLst>
       <p:ext uri="{BB962C8B-B14F-4D97-AF65-F5344CB8AC3E}">
-        <p14:creationId xmlns:p14="http://schemas.microsoft.com/office/powerpoint/2010/main" val="2719486824"/>
+        <p14:creationId xmlns:p14="http://schemas.microsoft.com/office/powerpoint/2010/main" val="1124657855"/>
       </p:ext>
     </p:extLst>
   </p:cSld>

--- a/submission_Caravel SOC User Project (FIR).pptx
+++ b/submission_Caravel SOC User Project (FIR).pptx
@@ -269,7 +269,7 @@
           <a:p>
             <a:fld id="{F4D66A3E-5F8E-4535-A317-76C0EC2EE0EA}" type="datetimeFigureOut">
               <a:rPr lang="zh-TW" altLang="en-US" smtClean="0"/>
-              <a:t>2023/9/16</a:t>
+              <a:t>2023/9/18</a:t>
             </a:fld>
             <a:endParaRPr lang="zh-TW" altLang="en-US"/>
           </a:p>
@@ -467,7 +467,7 @@
           <a:p>
             <a:fld id="{F4D66A3E-5F8E-4535-A317-76C0EC2EE0EA}" type="datetimeFigureOut">
               <a:rPr lang="zh-TW" altLang="en-US" smtClean="0"/>
-              <a:t>2023/9/16</a:t>
+              <a:t>2023/9/18</a:t>
             </a:fld>
             <a:endParaRPr lang="zh-TW" altLang="en-US"/>
           </a:p>
@@ -675,7 +675,7 @@
           <a:p>
             <a:fld id="{F4D66A3E-5F8E-4535-A317-76C0EC2EE0EA}" type="datetimeFigureOut">
               <a:rPr lang="zh-TW" altLang="en-US" smtClean="0"/>
-              <a:t>2023/9/16</a:t>
+              <a:t>2023/9/18</a:t>
             </a:fld>
             <a:endParaRPr lang="zh-TW" altLang="en-US"/>
           </a:p>
@@ -873,7 +873,7 @@
           <a:p>
             <a:fld id="{F4D66A3E-5F8E-4535-A317-76C0EC2EE0EA}" type="datetimeFigureOut">
               <a:rPr lang="zh-TW" altLang="en-US" smtClean="0"/>
-              <a:t>2023/9/16</a:t>
+              <a:t>2023/9/18</a:t>
             </a:fld>
             <a:endParaRPr lang="zh-TW" altLang="en-US"/>
           </a:p>
@@ -1148,7 +1148,7 @@
           <a:p>
             <a:fld id="{F4D66A3E-5F8E-4535-A317-76C0EC2EE0EA}" type="datetimeFigureOut">
               <a:rPr lang="zh-TW" altLang="en-US" smtClean="0"/>
-              <a:t>2023/9/16</a:t>
+              <a:t>2023/9/18</a:t>
             </a:fld>
             <a:endParaRPr lang="zh-TW" altLang="en-US"/>
           </a:p>
@@ -1413,7 +1413,7 @@
           <a:p>
             <a:fld id="{F4D66A3E-5F8E-4535-A317-76C0EC2EE0EA}" type="datetimeFigureOut">
               <a:rPr lang="zh-TW" altLang="en-US" smtClean="0"/>
-              <a:t>2023/9/16</a:t>
+              <a:t>2023/9/18</a:t>
             </a:fld>
             <a:endParaRPr lang="zh-TW" altLang="en-US"/>
           </a:p>
@@ -1825,7 +1825,7 @@
           <a:p>
             <a:fld id="{F4D66A3E-5F8E-4535-A317-76C0EC2EE0EA}" type="datetimeFigureOut">
               <a:rPr lang="zh-TW" altLang="en-US" smtClean="0"/>
-              <a:t>2023/9/16</a:t>
+              <a:t>2023/9/18</a:t>
             </a:fld>
             <a:endParaRPr lang="zh-TW" altLang="en-US"/>
           </a:p>
@@ -1966,7 +1966,7 @@
           <a:p>
             <a:fld id="{F4D66A3E-5F8E-4535-A317-76C0EC2EE0EA}" type="datetimeFigureOut">
               <a:rPr lang="zh-TW" altLang="en-US" smtClean="0"/>
-              <a:t>2023/9/16</a:t>
+              <a:t>2023/9/18</a:t>
             </a:fld>
             <a:endParaRPr lang="zh-TW" altLang="en-US"/>
           </a:p>
@@ -2079,7 +2079,7 @@
           <a:p>
             <a:fld id="{F4D66A3E-5F8E-4535-A317-76C0EC2EE0EA}" type="datetimeFigureOut">
               <a:rPr lang="zh-TW" altLang="en-US" smtClean="0"/>
-              <a:t>2023/9/16</a:t>
+              <a:t>2023/9/18</a:t>
             </a:fld>
             <a:endParaRPr lang="zh-TW" altLang="en-US"/>
           </a:p>
@@ -2390,7 +2390,7 @@
           <a:p>
             <a:fld id="{F4D66A3E-5F8E-4535-A317-76C0EC2EE0EA}" type="datetimeFigureOut">
               <a:rPr lang="zh-TW" altLang="en-US" smtClean="0"/>
-              <a:t>2023/9/16</a:t>
+              <a:t>2023/9/18</a:t>
             </a:fld>
             <a:endParaRPr lang="zh-TW" altLang="en-US"/>
           </a:p>
@@ -2678,7 +2678,7 @@
           <a:p>
             <a:fld id="{F4D66A3E-5F8E-4535-A317-76C0EC2EE0EA}" type="datetimeFigureOut">
               <a:rPr lang="zh-TW" altLang="en-US" smtClean="0"/>
-              <a:t>2023/9/16</a:t>
+              <a:t>2023/9/18</a:t>
             </a:fld>
             <a:endParaRPr lang="zh-TW" altLang="en-US"/>
           </a:p>
@@ -2919,7 +2919,7 @@
           <a:p>
             <a:fld id="{F4D66A3E-5F8E-4535-A317-76C0EC2EE0EA}" type="datetimeFigureOut">
               <a:rPr lang="zh-TW" altLang="en-US" smtClean="0"/>
-              <a:t>2023/9/16</a:t>
+              <a:t>2023/9/18</a:t>
             </a:fld>
             <a:endParaRPr lang="zh-TW" altLang="en-US"/>
           </a:p>
@@ -3554,7 +3554,15 @@
             </a:r>
             <a:r>
               <a:rPr lang="en-US" dirty="0"/>
-              <a:t> is generated.</a:t>
+              <a:t> </a:t>
+            </a:r>
+            <a:r>
+              <a:rPr lang="en-US"/>
+              <a:t>is generated</a:t>
+            </a:r>
+            <a:r>
+              <a:rPr lang="en-US" dirty="0"/>
+              <a:t>.</a:t>
             </a:r>
           </a:p>
           <a:p>
@@ -4205,7 +4213,15 @@
             </a:pPr>
             <a:r>
               <a:rPr lang="en-US" dirty="0"/>
-              <a:t>0x00 – [0] - </a:t>
+              <a:t>0x00 –</a:t>
+            </a:r>
+            <a:r>
+              <a:rPr lang="zh-TW" altLang="en-US" dirty="0"/>
+              <a:t> </a:t>
+            </a:r>
+            <a:r>
+              <a:rPr lang="en-US" dirty="0"/>
+              <a:t>[0] - </a:t>
             </a:r>
             <a:r>
               <a:rPr lang="en-US" dirty="0" err="1"/>
@@ -4255,7 +4271,15 @@
             </a:pPr>
             <a:r>
               <a:rPr lang="en-US" dirty="0"/>
-              <a:t>	[1] – </a:t>
+              <a:t>	</a:t>
+            </a:r>
+            <a:r>
+              <a:rPr lang="zh-TW" altLang="en-US" dirty="0"/>
+              <a:t> </a:t>
+            </a:r>
+            <a:r>
+              <a:rPr lang="en-US" dirty="0"/>
+              <a:t>[1] – </a:t>
             </a:r>
             <a:r>
               <a:rPr lang="en-US" dirty="0" err="1"/>
@@ -4266,6 +4290,10 @@
               <a:t>  -&gt; when FIR process all the dataset, i.e. receive 				         </a:t>
             </a:r>
             <a:r>
+              <a:rPr lang="zh-TW" altLang="en-US" dirty="0"/>
+              <a:t> </a:t>
+            </a:r>
+            <a:r>
               <a:rPr lang="en-US" dirty="0" err="1"/>
               <a:t>tlast</a:t>
             </a:r>
@@ -4280,7 +4308,15 @@
             </a:pPr>
             <a:r>
               <a:rPr lang="en-US" dirty="0"/>
-              <a:t>	[2] – </a:t>
+              <a:t>	</a:t>
+            </a:r>
+            <a:r>
+              <a:rPr lang="zh-TW" altLang="en-US" dirty="0"/>
+              <a:t> </a:t>
+            </a:r>
+            <a:r>
+              <a:rPr lang="en-US" dirty="0"/>
+              <a:t>[2] – </a:t>
             </a:r>
             <a:r>
               <a:rPr lang="en-US" dirty="0" err="1"/>
@@ -4306,16 +4342,33 @@
             </a:pPr>
             <a:r>
               <a:rPr lang="en-US" dirty="0"/>
-              <a:t>0x20-FF – Tap </a:t>
-            </a:r>
-            <a:r>
-              <a:rPr lang="en-US" dirty="0" err="1"/>
-              <a:t>parameters,e.g</a:t>
+              <a:t>0x20-FF – Tap parameters,</a:t>
+            </a:r>
+            <a:r>
+              <a:rPr lang="zh-TW" altLang="en-US" dirty="0"/>
+              <a:t> </a:t>
+            </a:r>
+            <a:r>
+              <a:rPr lang="en-US" altLang="zh-TW" dirty="0"/>
+              <a:t>(</a:t>
             </a:r>
             <a:r>
               <a:rPr lang="en-US" dirty="0"/>
-              <a:t>   0x20-24 Tap0, in sequence …</a:t>
-            </a:r>
+              <a:t>e.g</a:t>
+            </a:r>
+            <a:r>
+              <a:rPr lang="en-US" altLang="zh-TW" dirty="0"/>
+              <a:t>.,</a:t>
+            </a:r>
+            <a:r>
+              <a:rPr lang="en-US" dirty="0"/>
+              <a:t> 0x20-24 Tap0, in sequence …</a:t>
+            </a:r>
+            <a:r>
+              <a:rPr lang="en-US" altLang="zh-TW" dirty="0"/>
+              <a:t>)</a:t>
+            </a:r>
+            <a:endParaRPr lang="en-US" dirty="0"/>
           </a:p>
           <a:p>
             <a:pPr marL="0" indent="0">
